--- a/Chapters/Dynamic/fig/ExpressionTrees.pptx
+++ b/Chapters/Dynamic/fig/ExpressionTrees.pptx
@@ -9,6 +9,8 @@
     <p:sldId id="256" r:id="rId3"/>
     <p:sldId id="257" r:id="rId4"/>
     <p:sldId id="258" r:id="rId5"/>
+    <p:sldId id="260" r:id="rId6"/>
+    <p:sldId id="261" r:id="rId7"/>
   </p:sldIdLst>
   <p:sldSz cx="12192000" cy="6858000"/>
   <p:notesSz cx="6858000" cy="9144000"/>
@@ -107,6 +109,11 @@
       </a:defRPr>
     </a:lvl9pPr>
   </p:defaultTextStyle>
+  <p:extLst>
+    <p:ext uri="{EFAFB233-063F-42B5-8137-9DF3F51BA10A}">
+      <p15:sldGuideLst xmlns:p15="http://schemas.microsoft.com/office/powerpoint/2012/main"/>
+    </p:ext>
+  </p:extLst>
 </p:presentation>
 </file>
 
@@ -155,7 +162,6 @@
               <a:rPr kumimoji="1" lang="ja-JP" altLang="en-US"/>
               <a:t>マスター タイトルの書式設定</a:t>
             </a:r>
-            <a:endParaRPr kumimoji="1" lang="ja-JP" altLang="en-US"/>
           </a:p>
         </p:txBody>
       </p:sp>
@@ -220,7 +226,6 @@
               <a:rPr kumimoji="1" lang="ja-JP" altLang="en-US"/>
               <a:t>マスター サブタイトルの書式設定</a:t>
             </a:r>
-            <a:endParaRPr kumimoji="1" lang="ja-JP" altLang="en-US"/>
           </a:p>
         </p:txBody>
       </p:sp>
@@ -338,7 +343,6 @@
               <a:rPr kumimoji="1" lang="ja-JP" altLang="en-US"/>
               <a:t>マスター タイトルの書式設定</a:t>
             </a:r>
-            <a:endParaRPr kumimoji="1" lang="ja-JP" altLang="en-US"/>
           </a:p>
         </p:txBody>
       </p:sp>
@@ -422,7 +426,6 @@
               <a:rPr kumimoji="1" lang="ja-JP" altLang="en-US"/>
               <a:t>レベル</a:t>
             </a:r>
-            <a:endParaRPr kumimoji="1" lang="ja-JP" altLang="en-US"/>
           </a:p>
         </p:txBody>
       </p:sp>
@@ -545,7 +548,6 @@
               <a:rPr kumimoji="1" lang="ja-JP" altLang="en-US"/>
               <a:t>マスター タイトルの書式設定</a:t>
             </a:r>
-            <a:endParaRPr kumimoji="1" lang="ja-JP" altLang="en-US"/>
           </a:p>
         </p:txBody>
       </p:sp>
@@ -634,7 +636,6 @@
               <a:rPr kumimoji="1" lang="ja-JP" altLang="en-US"/>
               <a:t>レベル</a:t>
             </a:r>
-            <a:endParaRPr kumimoji="1" lang="ja-JP" altLang="en-US"/>
           </a:p>
         </p:txBody>
       </p:sp>
@@ -752,7 +753,6 @@
               <a:rPr kumimoji="1" lang="ja-JP" altLang="en-US"/>
               <a:t>マスター タイトルの書式設定</a:t>
             </a:r>
-            <a:endParaRPr kumimoji="1" lang="ja-JP" altLang="en-US"/>
           </a:p>
         </p:txBody>
       </p:sp>
@@ -836,7 +836,6 @@
               <a:rPr kumimoji="1" lang="ja-JP" altLang="en-US"/>
               <a:t>レベル</a:t>
             </a:r>
-            <a:endParaRPr kumimoji="1" lang="ja-JP" altLang="en-US"/>
           </a:p>
         </p:txBody>
       </p:sp>
@@ -963,7 +962,6 @@
               <a:rPr kumimoji="1" lang="ja-JP" altLang="en-US"/>
               <a:t>マスター タイトルの書式設定</a:t>
             </a:r>
-            <a:endParaRPr kumimoji="1" lang="ja-JP" altLang="en-US"/>
           </a:p>
         </p:txBody>
       </p:sp>
@@ -1200,7 +1198,6 @@
               <a:rPr kumimoji="1" lang="ja-JP" altLang="en-US"/>
               <a:t>マスター タイトルの書式設定</a:t>
             </a:r>
-            <a:endParaRPr kumimoji="1" lang="ja-JP" altLang="en-US"/>
           </a:p>
         </p:txBody>
       </p:sp>
@@ -1289,7 +1286,6 @@
               <a:rPr kumimoji="1" lang="ja-JP" altLang="en-US"/>
               <a:t>レベル</a:t>
             </a:r>
-            <a:endParaRPr kumimoji="1" lang="ja-JP" altLang="en-US"/>
           </a:p>
         </p:txBody>
       </p:sp>
@@ -1378,7 +1374,6 @@
               <a:rPr kumimoji="1" lang="ja-JP" altLang="en-US"/>
               <a:t>レベル</a:t>
             </a:r>
-            <a:endParaRPr kumimoji="1" lang="ja-JP" altLang="en-US"/>
           </a:p>
         </p:txBody>
       </p:sp>
@@ -1501,7 +1496,6 @@
               <a:rPr kumimoji="1" lang="ja-JP" altLang="en-US"/>
               <a:t>マスター タイトルの書式設定</a:t>
             </a:r>
-            <a:endParaRPr kumimoji="1" lang="ja-JP" altLang="en-US"/>
           </a:p>
         </p:txBody>
       </p:sp>
@@ -1655,7 +1649,6 @@
               <a:rPr kumimoji="1" lang="ja-JP" altLang="en-US"/>
               <a:t>レベル</a:t>
             </a:r>
-            <a:endParaRPr kumimoji="1" lang="ja-JP" altLang="en-US"/>
           </a:p>
         </p:txBody>
       </p:sp>
@@ -1809,7 +1802,6 @@
               <a:rPr kumimoji="1" lang="ja-JP" altLang="en-US"/>
               <a:t>レベル</a:t>
             </a:r>
-            <a:endParaRPr kumimoji="1" lang="ja-JP" altLang="en-US"/>
           </a:p>
         </p:txBody>
       </p:sp>
@@ -1927,7 +1919,6 @@
               <a:rPr kumimoji="1" lang="ja-JP" altLang="en-US"/>
               <a:t>マスター タイトルの書式設定</a:t>
             </a:r>
-            <a:endParaRPr kumimoji="1" lang="ja-JP" altLang="en-US"/>
           </a:p>
         </p:txBody>
       </p:sp>
@@ -2149,7 +2140,6 @@
               <a:rPr kumimoji="1" lang="ja-JP" altLang="en-US"/>
               <a:t>マスター タイトルの書式設定</a:t>
             </a:r>
-            <a:endParaRPr kumimoji="1" lang="ja-JP" altLang="en-US"/>
           </a:p>
         </p:txBody>
       </p:sp>
@@ -2266,7 +2256,6 @@
               <a:rPr kumimoji="1" lang="ja-JP" altLang="en-US"/>
               <a:t>レベル</a:t>
             </a:r>
-            <a:endParaRPr kumimoji="1" lang="ja-JP" altLang="en-US"/>
           </a:p>
         </p:txBody>
       </p:sp>
@@ -2458,7 +2447,6 @@
               <a:rPr kumimoji="1" lang="ja-JP" altLang="en-US"/>
               <a:t>マスター タイトルの書式設定</a:t>
             </a:r>
-            <a:endParaRPr kumimoji="1" lang="ja-JP" altLang="en-US"/>
           </a:p>
         </p:txBody>
       </p:sp>
@@ -2717,7 +2705,6 @@
               <a:rPr kumimoji="1" lang="ja-JP" altLang="en-US"/>
               <a:t>マスター タイトルの書式設定</a:t>
             </a:r>
-            <a:endParaRPr kumimoji="1" lang="ja-JP" altLang="en-US"/>
           </a:p>
         </p:txBody>
       </p:sp>
@@ -2811,7 +2798,6 @@
               <a:rPr kumimoji="1" lang="ja-JP" altLang="en-US"/>
               <a:t>レベル</a:t>
             </a:r>
-            <a:endParaRPr kumimoji="1" lang="ja-JP" altLang="en-US"/>
           </a:p>
         </p:txBody>
       </p:sp>
@@ -10950,66 +10936,1583 @@
           </a:p>
         </p:txBody>
       </p:sp>
-      <p:sp>
-        <p:nvSpPr>
-          <p:cNvPr id="154" name="テキスト ボックス 153"/>
-          <p:cNvSpPr txBox="1"/>
-          <p:nvPr/>
-        </p:nvSpPr>
-        <p:spPr>
-          <a:xfrm>
-            <a:off x="885855" y="4426317"/>
-            <a:ext cx="4134713" cy="534368"/>
-          </a:xfrm>
-          <a:prstGeom prst="rect">
-            <a:avLst/>
-          </a:prstGeom>
-          <a:noFill/>
-        </p:spPr>
-        <p:txBody>
-          <a:bodyPr wrap="none" lIns="36000" tIns="36000" rIns="36000" bIns="36000" rtlCol="0">
-            <a:spAutoFit/>
-          </a:bodyPr>
-          <a:lstStyle/>
-          <a:p>
-            <a:r>
-              <a:rPr kumimoji="1" lang="en-US" altLang="ja-JP" sz="1000" dirty="0"/>
-              <a:t>Expression</a:t>
-            </a:r>
-            <a:r>
-              <a:rPr kumimoji="1" lang="ja-JP" altLang="en-US" sz="1000" dirty="0"/>
-              <a:t>はこの形態で式ツリーを持ってる</a:t>
-            </a:r>
-            <a:endParaRPr kumimoji="1" lang="en-US" altLang="ja-JP" sz="1000" dirty="0"/>
-          </a:p>
-          <a:p>
-            <a:r>
-              <a:rPr lang="ja-JP" altLang="en-US" sz="1000" dirty="0"/>
-              <a:t>動的コード生成するので、</a:t>
-            </a:r>
-            <a:r>
-              <a:rPr lang="en-US" altLang="ja-JP" sz="1000" dirty="0"/>
-              <a:t>IL</a:t>
-            </a:r>
-            <a:r>
-              <a:rPr lang="ja-JP" altLang="en-US" sz="1000" dirty="0"/>
-              <a:t>に近い形態の方が実行速度的にお得なので</a:t>
-            </a:r>
-            <a:endParaRPr lang="en-US" altLang="ja-JP" sz="1000" dirty="0"/>
-          </a:p>
-          <a:p>
-            <a:r>
-              <a:rPr lang="ja-JP" altLang="en-US" sz="1000" dirty="0"/>
-              <a:t>ラムダ式からの変換が効く範囲ならいいけど、直接組むのは結構大変</a:t>
-            </a:r>
-            <a:endParaRPr kumimoji="1" lang="ja-JP" altLang="en-US" sz="1000" dirty="0"/>
-          </a:p>
-        </p:txBody>
-      </p:sp>
     </p:spTree>
     <p:extLst>
       <p:ext uri="{BB962C8B-B14F-4D97-AF65-F5344CB8AC3E}">
         <p14:creationId xmlns:p14="http://schemas.microsoft.com/office/powerpoint/2010/main" val="2606272335"/>
+      </p:ext>
+    </p:extLst>
+  </p:cSld>
+  <p:clrMapOvr>
+    <a:masterClrMapping/>
+  </p:clrMapOvr>
+</p:sld>
+</file>
+
+<file path=ppt/slides/slide5.xml><?xml version="1.0" encoding="utf-8"?>
+<p:sld xmlns:a="http://schemas.openxmlformats.org/drawingml/2006/main" xmlns:r="http://schemas.openxmlformats.org/officeDocument/2006/relationships" xmlns:p="http://schemas.openxmlformats.org/presentationml/2006/main">
+  <p:cSld>
+    <p:spTree>
+      <p:nvGrpSpPr>
+        <p:cNvPr id="1" name=""/>
+        <p:cNvGrpSpPr/>
+        <p:nvPr/>
+      </p:nvGrpSpPr>
+      <p:grpSpPr>
+        <a:xfrm>
+          <a:off x="0" y="0"/>
+          <a:ext cx="0" cy="0"/>
+          <a:chOff x="0" y="0"/>
+          <a:chExt cx="0" cy="0"/>
+        </a:xfrm>
+      </p:grpSpPr>
+      <p:sp>
+        <p:nvSpPr>
+          <p:cNvPr id="2" name="テキスト ボックス 1"/>
+          <p:cNvSpPr txBox="1"/>
+          <p:nvPr/>
+        </p:nvSpPr>
+        <p:spPr>
+          <a:xfrm>
+            <a:off x="562062" y="1993510"/>
+            <a:ext cx="4134713" cy="842145"/>
+          </a:xfrm>
+          <a:prstGeom prst="rect">
+            <a:avLst/>
+          </a:prstGeom>
+          <a:noFill/>
+        </p:spPr>
+        <p:txBody>
+          <a:bodyPr wrap="none" lIns="36000" tIns="36000" rIns="36000" bIns="36000" rtlCol="0">
+            <a:spAutoFit/>
+          </a:bodyPr>
+          <a:lstStyle/>
+          <a:p>
+            <a:r>
+              <a:rPr kumimoji="1" lang="en-US" altLang="ja-JP" sz="1000" dirty="0"/>
+              <a:t>Expression</a:t>
+            </a:r>
+            <a:r>
+              <a:rPr kumimoji="1" lang="ja-JP" altLang="en-US" sz="1000" dirty="0"/>
+              <a:t>は</a:t>
+            </a:r>
+            <a:r>
+              <a:rPr lang="ja-JP" altLang="en-US" sz="1000" dirty="0"/>
+              <a:t>もっと直接的</a:t>
+            </a:r>
+            <a:endParaRPr lang="en-US" altLang="ja-JP" sz="1000" dirty="0"/>
+          </a:p>
+          <a:p>
+            <a:r>
+              <a:rPr kumimoji="1" lang="en-US" altLang="ja-JP" sz="1000" dirty="0"/>
+              <a:t>Invoke</a:t>
+            </a:r>
+            <a:r>
+              <a:rPr kumimoji="1" lang="ja-JP" altLang="en-US" sz="1000" dirty="0"/>
+              <a:t>とかに渡すのは</a:t>
+            </a:r>
+            <a:r>
+              <a:rPr kumimoji="1" lang="en-US" altLang="ja-JP" sz="1000" dirty="0" err="1"/>
+              <a:t>MethodInfo</a:t>
+            </a:r>
+            <a:r>
+              <a:rPr lang="en-US" altLang="ja-JP" sz="1000" dirty="0"/>
+              <a:t>(</a:t>
+            </a:r>
+            <a:r>
+              <a:rPr kumimoji="1" lang="en-US" altLang="ja-JP" sz="1000" dirty="0"/>
+              <a:t>.NET</a:t>
+            </a:r>
+            <a:r>
+              <a:rPr kumimoji="1" lang="ja-JP" altLang="en-US" sz="1000" dirty="0"/>
+              <a:t>のリフレクション情報</a:t>
+            </a:r>
+            <a:r>
+              <a:rPr kumimoji="1" lang="en-US" altLang="ja-JP" sz="1000" dirty="0"/>
+              <a:t>)</a:t>
+            </a:r>
+          </a:p>
+          <a:p>
+            <a:endParaRPr kumimoji="1" lang="en-US" altLang="ja-JP" sz="1000" dirty="0"/>
+          </a:p>
+          <a:p>
+            <a:r>
+              <a:rPr lang="ja-JP" altLang="en-US" sz="1000" dirty="0"/>
+              <a:t>動的コード生成するので、</a:t>
+            </a:r>
+            <a:r>
+              <a:rPr lang="en-US" altLang="ja-JP" sz="1000" dirty="0"/>
+              <a:t>IL</a:t>
+            </a:r>
+            <a:r>
+              <a:rPr lang="ja-JP" altLang="en-US" sz="1000" dirty="0"/>
+              <a:t>に近い形態の方が実行速度的にお得なので</a:t>
+            </a:r>
+            <a:endParaRPr lang="en-US" altLang="ja-JP" sz="1000" dirty="0"/>
+          </a:p>
+          <a:p>
+            <a:r>
+              <a:rPr lang="ja-JP" altLang="en-US" sz="1000" dirty="0"/>
+              <a:t>ラムダ式からの変換が効く範囲ならいいけど、直接組むのは結構大変</a:t>
+            </a:r>
+            <a:endParaRPr kumimoji="1" lang="ja-JP" altLang="en-US" sz="1000" dirty="0"/>
+          </a:p>
+        </p:txBody>
+      </p:sp>
+      <p:sp>
+        <p:nvSpPr>
+          <p:cNvPr id="3" name="テキスト ボックス 2"/>
+          <p:cNvSpPr txBox="1"/>
+          <p:nvPr/>
+        </p:nvSpPr>
+        <p:spPr>
+          <a:xfrm>
+            <a:off x="562062" y="458510"/>
+            <a:ext cx="1553878" cy="842145"/>
+          </a:xfrm>
+          <a:prstGeom prst="rect">
+            <a:avLst/>
+          </a:prstGeom>
+          <a:noFill/>
+        </p:spPr>
+        <p:txBody>
+          <a:bodyPr wrap="none" lIns="36000" tIns="36000" rIns="36000" bIns="36000" rtlCol="0">
+            <a:spAutoFit/>
+          </a:bodyPr>
+          <a:lstStyle/>
+          <a:p>
+            <a:r>
+              <a:rPr lang="en-US" altLang="ja-JP" sz="1000" dirty="0">
+                <a:solidFill>
+                  <a:srgbClr val="2B91AF"/>
+                </a:solidFill>
+                <a:latin typeface="Consolas" panose="020B0609020204030204" pitchFamily="49" charset="0"/>
+              </a:rPr>
+              <a:t>Enumerable</a:t>
+            </a:r>
+            <a:r>
+              <a:rPr lang="en-US" altLang="ja-JP" sz="1000" dirty="0">
+                <a:solidFill>
+                  <a:srgbClr val="000000"/>
+                </a:solidFill>
+                <a:latin typeface="Consolas" panose="020B0609020204030204" pitchFamily="49" charset="0"/>
+              </a:rPr>
+              <a:t>.Select(</a:t>
+            </a:r>
+          </a:p>
+          <a:p>
+            <a:r>
+              <a:rPr lang="en-US" altLang="ja-JP" sz="1000" dirty="0">
+                <a:solidFill>
+                  <a:srgbClr val="000000"/>
+                </a:solidFill>
+                <a:latin typeface="Consolas" panose="020B0609020204030204" pitchFamily="49" charset="0"/>
+              </a:rPr>
+              <a:t>    </a:t>
+            </a:r>
+            <a:r>
+              <a:rPr lang="en-US" altLang="ja-JP" sz="1000" dirty="0">
+                <a:solidFill>
+                  <a:srgbClr val="2B91AF"/>
+                </a:solidFill>
+                <a:latin typeface="Consolas" panose="020B0609020204030204" pitchFamily="49" charset="0"/>
+              </a:rPr>
+              <a:t>Enumerable</a:t>
+            </a:r>
+            <a:r>
+              <a:rPr lang="en-US" altLang="ja-JP" sz="1000" dirty="0">
+                <a:solidFill>
+                  <a:srgbClr val="000000"/>
+                </a:solidFill>
+                <a:latin typeface="Consolas" panose="020B0609020204030204" pitchFamily="49" charset="0"/>
+              </a:rPr>
+              <a:t>.Where(</a:t>
+            </a:r>
+          </a:p>
+          <a:p>
+            <a:r>
+              <a:rPr lang="en-US" altLang="ja-JP" sz="1000" dirty="0">
+                <a:solidFill>
+                  <a:srgbClr val="000000"/>
+                </a:solidFill>
+                <a:latin typeface="Consolas" panose="020B0609020204030204" pitchFamily="49" charset="0"/>
+              </a:rPr>
+              <a:t>        source,</a:t>
+            </a:r>
+          </a:p>
+          <a:p>
+            <a:r>
+              <a:rPr lang="en-US" altLang="ja-JP" sz="1000" dirty="0">
+                <a:solidFill>
+                  <a:srgbClr val="000000"/>
+                </a:solidFill>
+                <a:latin typeface="Consolas" panose="020B0609020204030204" pitchFamily="49" charset="0"/>
+              </a:rPr>
+              <a:t>        x =&gt; x &gt; 3),</a:t>
+            </a:r>
+          </a:p>
+          <a:p>
+            <a:r>
+              <a:rPr lang="en-US" altLang="ja-JP" sz="1000" dirty="0">
+                <a:solidFill>
+                  <a:srgbClr val="000000"/>
+                </a:solidFill>
+                <a:latin typeface="Consolas" panose="020B0609020204030204" pitchFamily="49" charset="0"/>
+              </a:rPr>
+              <a:t>    x =&gt; x * x);</a:t>
+            </a:r>
+          </a:p>
+        </p:txBody>
+      </p:sp>
+      <p:sp>
+        <p:nvSpPr>
+          <p:cNvPr id="4" name="テキスト ボックス 3"/>
+          <p:cNvSpPr txBox="1"/>
+          <p:nvPr/>
+        </p:nvSpPr>
+        <p:spPr>
+          <a:xfrm>
+            <a:off x="4018327" y="1057013"/>
+            <a:ext cx="6773255" cy="996033"/>
+          </a:xfrm>
+          <a:prstGeom prst="rect">
+            <a:avLst/>
+          </a:prstGeom>
+          <a:noFill/>
+        </p:spPr>
+        <p:txBody>
+          <a:bodyPr wrap="none" lIns="36000" tIns="36000" rIns="36000" bIns="36000" rtlCol="0">
+            <a:spAutoFit/>
+          </a:bodyPr>
+          <a:lstStyle/>
+          <a:p>
+            <a:r>
+              <a:rPr lang="en-US" altLang="ja-JP" sz="1000" dirty="0">
+                <a:solidFill>
+                  <a:srgbClr val="000000"/>
+                </a:solidFill>
+                <a:latin typeface="Consolas" panose="020B0609020204030204" pitchFamily="49" charset="0"/>
+              </a:rPr>
+              <a:t> </a:t>
+            </a:r>
+            <a:r>
+              <a:rPr lang="en-US" altLang="ja-JP" sz="1000" dirty="0">
+                <a:solidFill>
+                  <a:srgbClr val="0000FF"/>
+                </a:solidFill>
+                <a:latin typeface="Consolas" panose="020B0609020204030204" pitchFamily="49" charset="0"/>
+              </a:rPr>
+              <a:t>var</a:t>
+            </a:r>
+            <a:r>
+              <a:rPr lang="en-US" altLang="ja-JP" sz="1000" dirty="0">
+                <a:solidFill>
+                  <a:srgbClr val="000000"/>
+                </a:solidFill>
+                <a:latin typeface="Consolas" panose="020B0609020204030204" pitchFamily="49" charset="0"/>
+              </a:rPr>
+              <a:t> source = </a:t>
+            </a:r>
+            <a:r>
+              <a:rPr lang="en-US" altLang="ja-JP" sz="1000" dirty="0" err="1">
+                <a:solidFill>
+                  <a:srgbClr val="2B91AF"/>
+                </a:solidFill>
+                <a:latin typeface="Consolas" panose="020B0609020204030204" pitchFamily="49" charset="0"/>
+              </a:rPr>
+              <a:t>Expression</a:t>
+            </a:r>
+            <a:r>
+              <a:rPr lang="en-US" altLang="ja-JP" sz="1000" dirty="0" err="1">
+                <a:solidFill>
+                  <a:srgbClr val="000000"/>
+                </a:solidFill>
+                <a:latin typeface="Consolas" panose="020B0609020204030204" pitchFamily="49" charset="0"/>
+              </a:rPr>
+              <a:t>.Parameter</a:t>
+            </a:r>
+            <a:r>
+              <a:rPr lang="en-US" altLang="ja-JP" sz="1000" dirty="0">
+                <a:solidFill>
+                  <a:srgbClr val="000000"/>
+                </a:solidFill>
+                <a:latin typeface="Consolas" panose="020B0609020204030204" pitchFamily="49" charset="0"/>
+              </a:rPr>
+              <a:t>(</a:t>
+            </a:r>
+            <a:r>
+              <a:rPr lang="en-US" altLang="ja-JP" sz="1000" dirty="0" err="1">
+                <a:solidFill>
+                  <a:srgbClr val="0000FF"/>
+                </a:solidFill>
+                <a:latin typeface="Consolas" panose="020B0609020204030204" pitchFamily="49" charset="0"/>
+              </a:rPr>
+              <a:t>typeof</a:t>
+            </a:r>
+            <a:r>
+              <a:rPr lang="en-US" altLang="ja-JP" sz="1000" dirty="0">
+                <a:solidFill>
+                  <a:srgbClr val="000000"/>
+                </a:solidFill>
+                <a:latin typeface="Consolas" panose="020B0609020204030204" pitchFamily="49" charset="0"/>
+              </a:rPr>
+              <a:t>(</a:t>
+            </a:r>
+            <a:r>
+              <a:rPr lang="en-US" altLang="ja-JP" sz="1000" dirty="0" err="1">
+                <a:solidFill>
+                  <a:srgbClr val="2B91AF"/>
+                </a:solidFill>
+                <a:latin typeface="Consolas" panose="020B0609020204030204" pitchFamily="49" charset="0"/>
+              </a:rPr>
+              <a:t>IEnumerable</a:t>
+            </a:r>
+            <a:r>
+              <a:rPr lang="en-US" altLang="ja-JP" sz="1000" dirty="0">
+                <a:solidFill>
+                  <a:srgbClr val="000000"/>
+                </a:solidFill>
+                <a:latin typeface="Consolas" panose="020B0609020204030204" pitchFamily="49" charset="0"/>
+              </a:rPr>
+              <a:t>&lt;</a:t>
+            </a:r>
+            <a:r>
+              <a:rPr lang="en-US" altLang="ja-JP" sz="1000" dirty="0" err="1">
+                <a:solidFill>
+                  <a:srgbClr val="0000FF"/>
+                </a:solidFill>
+                <a:latin typeface="Consolas" panose="020B0609020204030204" pitchFamily="49" charset="0"/>
+              </a:rPr>
+              <a:t>int</a:t>
+            </a:r>
+            <a:r>
+              <a:rPr lang="en-US" altLang="ja-JP" sz="1000" dirty="0">
+                <a:solidFill>
+                  <a:srgbClr val="000000"/>
+                </a:solidFill>
+                <a:latin typeface="Consolas" panose="020B0609020204030204" pitchFamily="49" charset="0"/>
+              </a:rPr>
+              <a:t>&gt;), </a:t>
+            </a:r>
+            <a:r>
+              <a:rPr lang="en-US" altLang="ja-JP" sz="1000" dirty="0">
+                <a:solidFill>
+                  <a:srgbClr val="A31515"/>
+                </a:solidFill>
+                <a:latin typeface="Consolas" panose="020B0609020204030204" pitchFamily="49" charset="0"/>
+              </a:rPr>
+              <a:t>"source"</a:t>
+            </a:r>
+            <a:r>
+              <a:rPr lang="en-US" altLang="ja-JP" sz="1000" dirty="0">
+                <a:solidFill>
+                  <a:srgbClr val="000000"/>
+                </a:solidFill>
+                <a:latin typeface="Consolas" panose="020B0609020204030204" pitchFamily="49" charset="0"/>
+              </a:rPr>
+              <a:t>);</a:t>
+            </a:r>
+          </a:p>
+          <a:p>
+            <a:r>
+              <a:rPr lang="en-US" altLang="ja-JP" sz="1000" dirty="0">
+                <a:solidFill>
+                  <a:srgbClr val="000000"/>
+                </a:solidFill>
+                <a:latin typeface="Consolas" panose="020B0609020204030204" pitchFamily="49" charset="0"/>
+              </a:rPr>
+              <a:t>        </a:t>
+            </a:r>
+            <a:r>
+              <a:rPr lang="en-US" altLang="ja-JP" sz="1000" dirty="0" err="1">
+                <a:solidFill>
+                  <a:srgbClr val="0000FF"/>
+                </a:solidFill>
+                <a:latin typeface="Consolas" panose="020B0609020204030204" pitchFamily="49" charset="0"/>
+              </a:rPr>
+              <a:t>var</a:t>
+            </a:r>
+            <a:r>
+              <a:rPr lang="en-US" altLang="ja-JP" sz="1000" dirty="0">
+                <a:solidFill>
+                  <a:srgbClr val="000000"/>
+                </a:solidFill>
+                <a:latin typeface="Consolas" panose="020B0609020204030204" pitchFamily="49" charset="0"/>
+              </a:rPr>
+              <a:t> where = </a:t>
+            </a:r>
+            <a:r>
+              <a:rPr lang="en-US" altLang="ja-JP" sz="1000" dirty="0" err="1">
+                <a:solidFill>
+                  <a:srgbClr val="0000FF"/>
+                </a:solidFill>
+                <a:latin typeface="Consolas" panose="020B0609020204030204" pitchFamily="49" charset="0"/>
+              </a:rPr>
+              <a:t>typeof</a:t>
+            </a:r>
+            <a:r>
+              <a:rPr lang="en-US" altLang="ja-JP" sz="1000" dirty="0">
+                <a:solidFill>
+                  <a:srgbClr val="000000"/>
+                </a:solidFill>
+                <a:latin typeface="Consolas" panose="020B0609020204030204" pitchFamily="49" charset="0"/>
+              </a:rPr>
+              <a:t>(</a:t>
+            </a:r>
+            <a:r>
+              <a:rPr lang="en-US" altLang="ja-JP" sz="1000" dirty="0">
+                <a:solidFill>
+                  <a:srgbClr val="2B91AF"/>
+                </a:solidFill>
+                <a:latin typeface="Consolas" panose="020B0609020204030204" pitchFamily="49" charset="0"/>
+              </a:rPr>
+              <a:t>Enumerable</a:t>
+            </a:r>
+            <a:r>
+              <a:rPr lang="en-US" altLang="ja-JP" sz="1000" dirty="0">
+                <a:solidFill>
+                  <a:srgbClr val="000000"/>
+                </a:solidFill>
+                <a:latin typeface="Consolas" panose="020B0609020204030204" pitchFamily="49" charset="0"/>
+              </a:rPr>
+              <a:t>).</a:t>
+            </a:r>
+            <a:r>
+              <a:rPr lang="en-US" altLang="ja-JP" sz="1000" dirty="0" err="1">
+                <a:solidFill>
+                  <a:srgbClr val="000000"/>
+                </a:solidFill>
+                <a:latin typeface="Consolas" panose="020B0609020204030204" pitchFamily="49" charset="0"/>
+              </a:rPr>
+              <a:t>GetMethod</a:t>
+            </a:r>
+            <a:r>
+              <a:rPr lang="en-US" altLang="ja-JP" sz="1000" dirty="0">
+                <a:solidFill>
+                  <a:srgbClr val="000000"/>
+                </a:solidFill>
+                <a:latin typeface="Consolas" panose="020B0609020204030204" pitchFamily="49" charset="0"/>
+              </a:rPr>
+              <a:t>(</a:t>
+            </a:r>
+            <a:r>
+              <a:rPr lang="en-US" altLang="ja-JP" sz="1000" dirty="0">
+                <a:solidFill>
+                  <a:srgbClr val="A31515"/>
+                </a:solidFill>
+                <a:latin typeface="Consolas" panose="020B0609020204030204" pitchFamily="49" charset="0"/>
+              </a:rPr>
+              <a:t>"Where"</a:t>
+            </a:r>
+            <a:r>
+              <a:rPr lang="en-US" altLang="ja-JP" sz="1000" dirty="0">
+                <a:solidFill>
+                  <a:srgbClr val="000000"/>
+                </a:solidFill>
+                <a:latin typeface="Consolas" panose="020B0609020204030204" pitchFamily="49" charset="0"/>
+              </a:rPr>
+              <a:t>, </a:t>
+            </a:r>
+            <a:r>
+              <a:rPr lang="en-US" altLang="ja-JP" sz="1000" dirty="0">
+                <a:solidFill>
+                  <a:srgbClr val="0000FF"/>
+                </a:solidFill>
+                <a:latin typeface="Consolas" panose="020B0609020204030204" pitchFamily="49" charset="0"/>
+              </a:rPr>
+              <a:t>new</a:t>
+            </a:r>
+            <a:r>
+              <a:rPr lang="en-US" altLang="ja-JP" sz="1000" dirty="0">
+                <a:solidFill>
+                  <a:srgbClr val="000000"/>
+                </a:solidFill>
+                <a:latin typeface="Consolas" panose="020B0609020204030204" pitchFamily="49" charset="0"/>
+              </a:rPr>
+              <a:t>[] { </a:t>
+            </a:r>
+            <a:r>
+              <a:rPr lang="en-US" altLang="ja-JP" sz="1000" dirty="0" err="1">
+                <a:solidFill>
+                  <a:srgbClr val="0000FF"/>
+                </a:solidFill>
+                <a:latin typeface="Consolas" panose="020B0609020204030204" pitchFamily="49" charset="0"/>
+              </a:rPr>
+              <a:t>typeof</a:t>
+            </a:r>
+            <a:r>
+              <a:rPr lang="en-US" altLang="ja-JP" sz="1000" dirty="0">
+                <a:solidFill>
+                  <a:srgbClr val="000000"/>
+                </a:solidFill>
+                <a:latin typeface="Consolas" panose="020B0609020204030204" pitchFamily="49" charset="0"/>
+              </a:rPr>
+              <a:t>(</a:t>
+            </a:r>
+            <a:r>
+              <a:rPr lang="en-US" altLang="ja-JP" sz="1000" dirty="0" err="1">
+                <a:solidFill>
+                  <a:srgbClr val="0000FF"/>
+                </a:solidFill>
+                <a:latin typeface="Consolas" panose="020B0609020204030204" pitchFamily="49" charset="0"/>
+              </a:rPr>
+              <a:t>int</a:t>
+            </a:r>
+            <a:r>
+              <a:rPr lang="en-US" altLang="ja-JP" sz="1000" dirty="0">
+                <a:solidFill>
+                  <a:srgbClr val="000000"/>
+                </a:solidFill>
+                <a:latin typeface="Consolas" panose="020B0609020204030204" pitchFamily="49" charset="0"/>
+              </a:rPr>
+              <a:t>), </a:t>
+            </a:r>
+            <a:r>
+              <a:rPr lang="en-US" altLang="ja-JP" sz="1000" dirty="0" err="1">
+                <a:solidFill>
+                  <a:srgbClr val="0000FF"/>
+                </a:solidFill>
+                <a:latin typeface="Consolas" panose="020B0609020204030204" pitchFamily="49" charset="0"/>
+              </a:rPr>
+              <a:t>typeof</a:t>
+            </a:r>
+            <a:r>
+              <a:rPr lang="en-US" altLang="ja-JP" sz="1000" dirty="0">
+                <a:solidFill>
+                  <a:srgbClr val="000000"/>
+                </a:solidFill>
+                <a:latin typeface="Consolas" panose="020B0609020204030204" pitchFamily="49" charset="0"/>
+              </a:rPr>
+              <a:t>(</a:t>
+            </a:r>
+            <a:r>
+              <a:rPr lang="en-US" altLang="ja-JP" sz="1000" dirty="0">
+                <a:solidFill>
+                  <a:srgbClr val="0000FF"/>
+                </a:solidFill>
+                <a:latin typeface="Consolas" panose="020B0609020204030204" pitchFamily="49" charset="0"/>
+              </a:rPr>
+              <a:t>bool</a:t>
+            </a:r>
+            <a:r>
+              <a:rPr lang="en-US" altLang="ja-JP" sz="1000" dirty="0">
+                <a:solidFill>
+                  <a:srgbClr val="000000"/>
+                </a:solidFill>
+                <a:latin typeface="Consolas" panose="020B0609020204030204" pitchFamily="49" charset="0"/>
+              </a:rPr>
+              <a:t>) });</a:t>
+            </a:r>
+          </a:p>
+          <a:p>
+            <a:r>
+              <a:rPr lang="en-US" altLang="ja-JP" sz="1000" dirty="0">
+                <a:solidFill>
+                  <a:srgbClr val="000000"/>
+                </a:solidFill>
+                <a:latin typeface="Consolas" panose="020B0609020204030204" pitchFamily="49" charset="0"/>
+              </a:rPr>
+              <a:t>        </a:t>
+            </a:r>
+            <a:r>
+              <a:rPr lang="en-US" altLang="ja-JP" sz="1000" dirty="0" err="1">
+                <a:solidFill>
+                  <a:srgbClr val="2B91AF"/>
+                </a:solidFill>
+                <a:latin typeface="Consolas" panose="020B0609020204030204" pitchFamily="49" charset="0"/>
+              </a:rPr>
+              <a:t>Expression</a:t>
+            </a:r>
+            <a:r>
+              <a:rPr lang="en-US" altLang="ja-JP" sz="1000" dirty="0" err="1">
+                <a:solidFill>
+                  <a:srgbClr val="000000"/>
+                </a:solidFill>
+                <a:latin typeface="Consolas" panose="020B0609020204030204" pitchFamily="49" charset="0"/>
+              </a:rPr>
+              <a:t>.Lambda</a:t>
+            </a:r>
+            <a:r>
+              <a:rPr lang="en-US" altLang="ja-JP" sz="1000" dirty="0">
+                <a:solidFill>
+                  <a:srgbClr val="000000"/>
+                </a:solidFill>
+                <a:latin typeface="Consolas" panose="020B0609020204030204" pitchFamily="49" charset="0"/>
+              </a:rPr>
+              <a:t>&lt;</a:t>
+            </a:r>
+            <a:r>
+              <a:rPr lang="en-US" altLang="ja-JP" sz="1000" dirty="0" err="1">
+                <a:solidFill>
+                  <a:srgbClr val="000000"/>
+                </a:solidFill>
+                <a:latin typeface="Consolas" panose="020B0609020204030204" pitchFamily="49" charset="0"/>
+              </a:rPr>
+              <a:t>Func</a:t>
+            </a:r>
+            <a:r>
+              <a:rPr lang="en-US" altLang="ja-JP" sz="1000" dirty="0">
+                <a:solidFill>
+                  <a:srgbClr val="000000"/>
+                </a:solidFill>
+                <a:latin typeface="Consolas" panose="020B0609020204030204" pitchFamily="49" charset="0"/>
+              </a:rPr>
+              <a:t>&lt;</a:t>
+            </a:r>
+            <a:r>
+              <a:rPr lang="en-US" altLang="ja-JP" sz="1000" dirty="0" err="1">
+                <a:solidFill>
+                  <a:srgbClr val="2B91AF"/>
+                </a:solidFill>
+                <a:latin typeface="Consolas" panose="020B0609020204030204" pitchFamily="49" charset="0"/>
+              </a:rPr>
+              <a:t>IEnumerable</a:t>
+            </a:r>
+            <a:r>
+              <a:rPr lang="en-US" altLang="ja-JP" sz="1000" dirty="0">
+                <a:solidFill>
+                  <a:srgbClr val="000000"/>
+                </a:solidFill>
+                <a:latin typeface="Consolas" panose="020B0609020204030204" pitchFamily="49" charset="0"/>
+              </a:rPr>
+              <a:t>&lt;</a:t>
+            </a:r>
+            <a:r>
+              <a:rPr lang="en-US" altLang="ja-JP" sz="1000" dirty="0" err="1">
+                <a:solidFill>
+                  <a:srgbClr val="0000FF"/>
+                </a:solidFill>
+                <a:latin typeface="Consolas" panose="020B0609020204030204" pitchFamily="49" charset="0"/>
+              </a:rPr>
+              <a:t>int</a:t>
+            </a:r>
+            <a:r>
+              <a:rPr lang="en-US" altLang="ja-JP" sz="1000" dirty="0">
+                <a:solidFill>
+                  <a:srgbClr val="000000"/>
+                </a:solidFill>
+                <a:latin typeface="Consolas" panose="020B0609020204030204" pitchFamily="49" charset="0"/>
+              </a:rPr>
+              <a:t>&gt;, </a:t>
+            </a:r>
+            <a:r>
+              <a:rPr lang="en-US" altLang="ja-JP" sz="1000" dirty="0" err="1">
+                <a:solidFill>
+                  <a:srgbClr val="2B91AF"/>
+                </a:solidFill>
+                <a:latin typeface="Consolas" panose="020B0609020204030204" pitchFamily="49" charset="0"/>
+              </a:rPr>
+              <a:t>IEnumerable</a:t>
+            </a:r>
+            <a:r>
+              <a:rPr lang="en-US" altLang="ja-JP" sz="1000" dirty="0">
+                <a:solidFill>
+                  <a:srgbClr val="000000"/>
+                </a:solidFill>
+                <a:latin typeface="Consolas" panose="020B0609020204030204" pitchFamily="49" charset="0"/>
+              </a:rPr>
+              <a:t>&lt;</a:t>
+            </a:r>
+            <a:r>
+              <a:rPr lang="en-US" altLang="ja-JP" sz="1000" dirty="0" err="1">
+                <a:solidFill>
+                  <a:srgbClr val="0000FF"/>
+                </a:solidFill>
+                <a:latin typeface="Consolas" panose="020B0609020204030204" pitchFamily="49" charset="0"/>
+              </a:rPr>
+              <a:t>int</a:t>
+            </a:r>
+            <a:r>
+              <a:rPr lang="en-US" altLang="ja-JP" sz="1000" dirty="0">
+                <a:solidFill>
+                  <a:srgbClr val="000000"/>
+                </a:solidFill>
+                <a:latin typeface="Consolas" panose="020B0609020204030204" pitchFamily="49" charset="0"/>
+              </a:rPr>
+              <a:t>&gt;&gt;(</a:t>
+            </a:r>
+          </a:p>
+          <a:p>
+            <a:r>
+              <a:rPr lang="en-US" altLang="ja-JP" sz="1000" dirty="0">
+                <a:solidFill>
+                  <a:srgbClr val="000000"/>
+                </a:solidFill>
+                <a:latin typeface="Consolas" panose="020B0609020204030204" pitchFamily="49" charset="0"/>
+              </a:rPr>
+              <a:t>            </a:t>
+            </a:r>
+            <a:r>
+              <a:rPr lang="en-US" altLang="ja-JP" sz="1000" dirty="0" err="1">
+                <a:solidFill>
+                  <a:srgbClr val="2B91AF"/>
+                </a:solidFill>
+                <a:latin typeface="Consolas" panose="020B0609020204030204" pitchFamily="49" charset="0"/>
+              </a:rPr>
+              <a:t>Expression</a:t>
+            </a:r>
+            <a:r>
+              <a:rPr lang="en-US" altLang="ja-JP" sz="1000" dirty="0" err="1">
+                <a:solidFill>
+                  <a:srgbClr val="000000"/>
+                </a:solidFill>
+                <a:latin typeface="Consolas" panose="020B0609020204030204" pitchFamily="49" charset="0"/>
+              </a:rPr>
+              <a:t>.Invoke</a:t>
+            </a:r>
+            <a:r>
+              <a:rPr lang="en-US" altLang="ja-JP" sz="1000" dirty="0">
+                <a:solidFill>
+                  <a:srgbClr val="000000"/>
+                </a:solidFill>
+                <a:latin typeface="Consolas" panose="020B0609020204030204" pitchFamily="49" charset="0"/>
+              </a:rPr>
+              <a:t>(</a:t>
+            </a:r>
+          </a:p>
+          <a:p>
+            <a:r>
+              <a:rPr lang="en-US" altLang="ja-JP" sz="1000" dirty="0">
+                <a:solidFill>
+                  <a:srgbClr val="000000"/>
+                </a:solidFill>
+                <a:latin typeface="Consolas" panose="020B0609020204030204" pitchFamily="49" charset="0"/>
+              </a:rPr>
+              <a:t>                </a:t>
+            </a:r>
+            <a:r>
+              <a:rPr lang="en-US" altLang="ja-JP" sz="1000" dirty="0" err="1">
+                <a:solidFill>
+                  <a:srgbClr val="2B91AF"/>
+                </a:solidFill>
+                <a:latin typeface="Consolas" panose="020B0609020204030204" pitchFamily="49" charset="0"/>
+              </a:rPr>
+              <a:t>Expression</a:t>
+            </a:r>
+            <a:r>
+              <a:rPr lang="en-US" altLang="ja-JP" sz="1000" dirty="0" err="1">
+                <a:solidFill>
+                  <a:srgbClr val="000000"/>
+                </a:solidFill>
+                <a:latin typeface="Consolas" panose="020B0609020204030204" pitchFamily="49" charset="0"/>
+              </a:rPr>
+              <a:t>.MakeMemberAccess</a:t>
+            </a:r>
+            <a:r>
+              <a:rPr lang="en-US" altLang="ja-JP" sz="1000" dirty="0">
+                <a:solidFill>
+                  <a:srgbClr val="000000"/>
+                </a:solidFill>
+                <a:latin typeface="Consolas" panose="020B0609020204030204" pitchFamily="49" charset="0"/>
+              </a:rPr>
+              <a:t>(source, where),</a:t>
+            </a:r>
+            <a:endParaRPr lang="en-US" altLang="ja-JP" sz="1000" dirty="0"/>
+          </a:p>
+          <a:p>
+            <a:r>
+              <a:rPr lang="en-US" altLang="ja-JP" sz="1000" dirty="0">
+                <a:solidFill>
+                  <a:srgbClr val="000000"/>
+                </a:solidFill>
+                <a:latin typeface="Consolas" panose="020B0609020204030204" pitchFamily="49" charset="0"/>
+              </a:rPr>
+              <a:t>...</a:t>
+            </a:r>
+          </a:p>
+        </p:txBody>
+      </p:sp>
+    </p:spTree>
+    <p:extLst>
+      <p:ext uri="{BB962C8B-B14F-4D97-AF65-F5344CB8AC3E}">
+        <p14:creationId xmlns:p14="http://schemas.microsoft.com/office/powerpoint/2010/main" val="3983140892"/>
+      </p:ext>
+    </p:extLst>
+  </p:cSld>
+  <p:clrMapOvr>
+    <a:masterClrMapping/>
+  </p:clrMapOvr>
+</p:sld>
+</file>
+
+<file path=ppt/slides/slide6.xml><?xml version="1.0" encoding="utf-8"?>
+<p:sld xmlns:a="http://schemas.openxmlformats.org/drawingml/2006/main" xmlns:r="http://schemas.openxmlformats.org/officeDocument/2006/relationships" xmlns:p="http://schemas.openxmlformats.org/presentationml/2006/main">
+  <p:cSld>
+    <p:spTree>
+      <p:nvGrpSpPr>
+        <p:cNvPr id="1" name=""/>
+        <p:cNvGrpSpPr/>
+        <p:nvPr/>
+      </p:nvGrpSpPr>
+      <p:grpSpPr>
+        <a:xfrm>
+          <a:off x="0" y="0"/>
+          <a:ext cx="0" cy="0"/>
+          <a:chOff x="0" y="0"/>
+          <a:chExt cx="0" cy="0"/>
+        </a:xfrm>
+      </p:grpSpPr>
+      <p:sp>
+        <p:nvSpPr>
+          <p:cNvPr id="2" name="テキスト ボックス 1"/>
+          <p:cNvSpPr txBox="1"/>
+          <p:nvPr/>
+        </p:nvSpPr>
+        <p:spPr>
+          <a:xfrm>
+            <a:off x="2122414" y="2287310"/>
+            <a:ext cx="1130685" cy="380480"/>
+          </a:xfrm>
+          <a:prstGeom prst="rect">
+            <a:avLst/>
+          </a:prstGeom>
+          <a:noFill/>
+        </p:spPr>
+        <p:txBody>
+          <a:bodyPr wrap="none" lIns="36000" tIns="36000" rIns="36000" bIns="36000" rtlCol="0">
+            <a:spAutoFit/>
+          </a:bodyPr>
+          <a:lstStyle/>
+          <a:p>
+            <a:r>
+              <a:rPr lang="en-US" altLang="ja-JP" sz="1000" dirty="0">
+                <a:solidFill>
+                  <a:srgbClr val="0000FF"/>
+                </a:solidFill>
+                <a:latin typeface="Consolas" panose="020B0609020204030204" pitchFamily="49" charset="0"/>
+              </a:rPr>
+              <a:t>var</a:t>
+            </a:r>
+            <a:r>
+              <a:rPr lang="en-US" altLang="ja-JP" sz="1000" dirty="0">
+                <a:solidFill>
+                  <a:srgbClr val="000000"/>
+                </a:solidFill>
+                <a:latin typeface="Consolas" panose="020B0609020204030204" pitchFamily="49" charset="0"/>
+              </a:rPr>
+              <a:t> t = (1, 2);</a:t>
+            </a:r>
+          </a:p>
+          <a:p>
+            <a:r>
+              <a:rPr lang="en-US" altLang="ja-JP" sz="1000" dirty="0" err="1">
+                <a:solidFill>
+                  <a:srgbClr val="0000FF"/>
+                </a:solidFill>
+                <a:latin typeface="Consolas" panose="020B0609020204030204" pitchFamily="49" charset="0"/>
+              </a:rPr>
+              <a:t>var</a:t>
+            </a:r>
+            <a:r>
+              <a:rPr lang="en-US" altLang="ja-JP" sz="1000" dirty="0">
+                <a:solidFill>
+                  <a:srgbClr val="000000"/>
+                </a:solidFill>
+                <a:latin typeface="Consolas" panose="020B0609020204030204" pitchFamily="49" charset="0"/>
+              </a:rPr>
+              <a:t> (x, y) = t;</a:t>
+            </a:r>
+          </a:p>
+        </p:txBody>
+      </p:sp>
+      <p:sp>
+        <p:nvSpPr>
+          <p:cNvPr id="3" name="テキスト ボックス 2"/>
+          <p:cNvSpPr txBox="1"/>
+          <p:nvPr/>
+        </p:nvSpPr>
+        <p:spPr>
+          <a:xfrm>
+            <a:off x="2122414" y="3002991"/>
+            <a:ext cx="2329731" cy="534368"/>
+          </a:xfrm>
+          <a:prstGeom prst="rect">
+            <a:avLst/>
+          </a:prstGeom>
+          <a:noFill/>
+        </p:spPr>
+        <p:txBody>
+          <a:bodyPr wrap="none" lIns="36000" tIns="36000" rIns="36000" bIns="36000" rtlCol="0">
+            <a:spAutoFit/>
+          </a:bodyPr>
+          <a:lstStyle/>
+          <a:p>
+            <a:r>
+              <a:rPr lang="en-US" altLang="ja-JP" sz="1000" dirty="0">
+                <a:solidFill>
+                  <a:srgbClr val="0000FF"/>
+                </a:solidFill>
+                <a:latin typeface="Consolas" panose="020B0609020204030204" pitchFamily="49" charset="0"/>
+              </a:rPr>
+              <a:t>var</a:t>
+            </a:r>
+            <a:r>
+              <a:rPr lang="en-US" altLang="ja-JP" sz="1000" dirty="0">
+                <a:solidFill>
+                  <a:srgbClr val="000000"/>
+                </a:solidFill>
+                <a:latin typeface="Consolas" panose="020B0609020204030204" pitchFamily="49" charset="0"/>
+              </a:rPr>
+              <a:t> t = </a:t>
+            </a:r>
+            <a:r>
+              <a:rPr lang="en-US" altLang="ja-JP" sz="1000" dirty="0" err="1">
+                <a:solidFill>
+                  <a:srgbClr val="2B91AF"/>
+                </a:solidFill>
+                <a:latin typeface="Consolas" panose="020B0609020204030204" pitchFamily="49" charset="0"/>
+              </a:rPr>
+              <a:t>ValueTuple</a:t>
+            </a:r>
+            <a:r>
+              <a:rPr lang="en-US" altLang="ja-JP" sz="1000" dirty="0" err="1">
+                <a:solidFill>
+                  <a:srgbClr val="000000"/>
+                </a:solidFill>
+                <a:latin typeface="Consolas" panose="020B0609020204030204" pitchFamily="49" charset="0"/>
+              </a:rPr>
+              <a:t>.Create</a:t>
+            </a:r>
+            <a:r>
+              <a:rPr lang="en-US" altLang="ja-JP" sz="1000" dirty="0">
+                <a:solidFill>
+                  <a:srgbClr val="000000"/>
+                </a:solidFill>
+                <a:latin typeface="Consolas" panose="020B0609020204030204" pitchFamily="49" charset="0"/>
+              </a:rPr>
+              <a:t>(1, 2);</a:t>
+            </a:r>
+          </a:p>
+          <a:p>
+            <a:r>
+              <a:rPr lang="en-US" altLang="ja-JP" sz="1000" dirty="0" err="1">
+                <a:solidFill>
+                  <a:srgbClr val="0000FF"/>
+                </a:solidFill>
+                <a:latin typeface="Consolas" panose="020B0609020204030204" pitchFamily="49" charset="0"/>
+              </a:rPr>
+              <a:t>var</a:t>
+            </a:r>
+            <a:r>
+              <a:rPr lang="en-US" altLang="ja-JP" sz="1000" dirty="0">
+                <a:solidFill>
+                  <a:srgbClr val="000000"/>
+                </a:solidFill>
+                <a:latin typeface="Consolas" panose="020B0609020204030204" pitchFamily="49" charset="0"/>
+              </a:rPr>
+              <a:t> x = t.Item1;</a:t>
+            </a:r>
+          </a:p>
+          <a:p>
+            <a:r>
+              <a:rPr lang="en-US" altLang="ja-JP" sz="1000" dirty="0" err="1">
+                <a:solidFill>
+                  <a:srgbClr val="0000FF"/>
+                </a:solidFill>
+                <a:latin typeface="Consolas" panose="020B0609020204030204" pitchFamily="49" charset="0"/>
+              </a:rPr>
+              <a:t>var</a:t>
+            </a:r>
+            <a:r>
+              <a:rPr lang="en-US" altLang="ja-JP" sz="1000" dirty="0">
+                <a:solidFill>
+                  <a:srgbClr val="000000"/>
+                </a:solidFill>
+                <a:latin typeface="Consolas" panose="020B0609020204030204" pitchFamily="49" charset="0"/>
+              </a:rPr>
+              <a:t> y = t.Item2;</a:t>
+            </a:r>
+          </a:p>
+        </p:txBody>
+      </p:sp>
+      <p:sp>
+        <p:nvSpPr>
+          <p:cNvPr id="5" name="矢印: 下 4"/>
+          <p:cNvSpPr/>
+          <p:nvPr/>
+        </p:nvSpPr>
+        <p:spPr>
+          <a:xfrm>
+            <a:off x="2323750" y="2667790"/>
+            <a:ext cx="184558" cy="315897"/>
+          </a:xfrm>
+          <a:prstGeom prst="downArrow">
+            <a:avLst/>
+          </a:prstGeom>
+        </p:spPr>
+        <p:style>
+          <a:lnRef idx="1">
+            <a:schemeClr val="accent4"/>
+          </a:lnRef>
+          <a:fillRef idx="2">
+            <a:schemeClr val="accent4"/>
+          </a:fillRef>
+          <a:effectRef idx="1">
+            <a:schemeClr val="accent4"/>
+          </a:effectRef>
+          <a:fontRef idx="minor">
+            <a:schemeClr val="dk1"/>
+          </a:fontRef>
+        </p:style>
+        <p:txBody>
+          <a:bodyPr rot="0" spcFirstLastPara="0" vertOverflow="overflow" horzOverflow="overflow" vert="horz" wrap="square" lIns="36000" tIns="36000" rIns="36000" bIns="36000" numCol="1" spcCol="0" rtlCol="0" fromWordArt="0" anchor="ctr" anchorCtr="0" forceAA="0" compatLnSpc="1">
+            <a:prstTxWarp prst="textNoShape">
+              <a:avLst/>
+            </a:prstTxWarp>
+            <a:noAutofit/>
+          </a:bodyPr>
+          <a:lstStyle/>
+          <a:p>
+            <a:pPr algn="ctr"/>
+            <a:endParaRPr kumimoji="1" lang="ja-JP" altLang="en-US" sz="1000" dirty="0"/>
+          </a:p>
+        </p:txBody>
+      </p:sp>
+      <p:sp>
+        <p:nvSpPr>
+          <p:cNvPr id="9" name="矢印: 上下 8"/>
+          <p:cNvSpPr/>
+          <p:nvPr/>
+        </p:nvSpPr>
+        <p:spPr>
+          <a:xfrm>
+            <a:off x="4519257" y="2223083"/>
+            <a:ext cx="203744" cy="1314276"/>
+          </a:xfrm>
+          <a:prstGeom prst="upDownArrow">
+            <a:avLst/>
+          </a:prstGeom>
+        </p:spPr>
+        <p:style>
+          <a:lnRef idx="1">
+            <a:schemeClr val="accent5"/>
+          </a:lnRef>
+          <a:fillRef idx="2">
+            <a:schemeClr val="accent5"/>
+          </a:fillRef>
+          <a:effectRef idx="1">
+            <a:schemeClr val="accent5"/>
+          </a:effectRef>
+          <a:fontRef idx="minor">
+            <a:schemeClr val="dk1"/>
+          </a:fontRef>
+        </p:style>
+        <p:txBody>
+          <a:bodyPr rot="0" spcFirstLastPara="0" vertOverflow="overflow" horzOverflow="overflow" vert="horz" wrap="square" lIns="36000" tIns="36000" rIns="36000" bIns="36000" numCol="1" spcCol="0" rtlCol="0" fromWordArt="0" anchor="ctr" anchorCtr="0" forceAA="0" compatLnSpc="1">
+            <a:prstTxWarp prst="textNoShape">
+              <a:avLst/>
+            </a:prstTxWarp>
+            <a:noAutofit/>
+          </a:bodyPr>
+          <a:lstStyle/>
+          <a:p>
+            <a:pPr algn="ctr"/>
+            <a:endParaRPr kumimoji="1" lang="ja-JP" altLang="en-US" sz="1000" dirty="0"/>
+          </a:p>
+        </p:txBody>
+      </p:sp>
+      <p:sp>
+        <p:nvSpPr>
+          <p:cNvPr id="10" name="テキスト ボックス 9"/>
+          <p:cNvSpPr txBox="1"/>
+          <p:nvPr/>
+        </p:nvSpPr>
+        <p:spPr>
+          <a:xfrm>
+            <a:off x="4346449" y="1999829"/>
+            <a:ext cx="513393" cy="226591"/>
+          </a:xfrm>
+          <a:prstGeom prst="rect">
+            <a:avLst/>
+          </a:prstGeom>
+          <a:noFill/>
+        </p:spPr>
+        <p:txBody>
+          <a:bodyPr wrap="square" lIns="36000" tIns="36000" rIns="36000" bIns="36000" rtlCol="0">
+            <a:spAutoFit/>
+          </a:bodyPr>
+          <a:lstStyle/>
+          <a:p>
+            <a:r>
+              <a:rPr kumimoji="1" lang="ja-JP" altLang="en-US" sz="1000" dirty="0"/>
+              <a:t>元の</a:t>
+            </a:r>
+            <a:r>
+              <a:rPr kumimoji="1" lang="en-US" altLang="ja-JP" sz="1000" dirty="0"/>
+              <a:t>C#</a:t>
+            </a:r>
+            <a:endParaRPr kumimoji="1" lang="ja-JP" altLang="en-US" sz="1000" dirty="0"/>
+          </a:p>
+        </p:txBody>
+      </p:sp>
+      <p:sp>
+        <p:nvSpPr>
+          <p:cNvPr id="11" name="テキスト ボックス 10"/>
+          <p:cNvSpPr txBox="1"/>
+          <p:nvPr/>
+        </p:nvSpPr>
+        <p:spPr>
+          <a:xfrm>
+            <a:off x="3925592" y="3577952"/>
+            <a:ext cx="1355105" cy="226591"/>
+          </a:xfrm>
+          <a:prstGeom prst="rect">
+            <a:avLst/>
+          </a:prstGeom>
+          <a:noFill/>
+        </p:spPr>
+        <p:txBody>
+          <a:bodyPr wrap="none" lIns="36000" tIns="36000" rIns="36000" bIns="36000" rtlCol="0">
+            <a:spAutoFit/>
+          </a:bodyPr>
+          <a:lstStyle/>
+          <a:p>
+            <a:r>
+              <a:rPr kumimoji="1" lang="ja-JP" altLang="en-US" sz="1000" dirty="0"/>
+              <a:t>実際に実行されるもの</a:t>
+            </a:r>
+          </a:p>
+        </p:txBody>
+      </p:sp>
+      <p:sp>
+        <p:nvSpPr>
+          <p:cNvPr id="12" name="テキスト ボックス 11"/>
+          <p:cNvSpPr txBox="1"/>
+          <p:nvPr/>
+        </p:nvSpPr>
+        <p:spPr>
+          <a:xfrm>
+            <a:off x="4859842" y="2287310"/>
+            <a:ext cx="2329731" cy="226591"/>
+          </a:xfrm>
+          <a:prstGeom prst="rect">
+            <a:avLst/>
+          </a:prstGeom>
+          <a:noFill/>
+        </p:spPr>
+        <p:txBody>
+          <a:bodyPr wrap="none" lIns="36000" tIns="36000" rIns="36000" bIns="36000" rtlCol="0">
+            <a:spAutoFit/>
+          </a:bodyPr>
+          <a:lstStyle/>
+          <a:p>
+            <a:r>
+              <a:rPr lang="en-US" altLang="ja-JP" sz="1000" dirty="0">
+                <a:solidFill>
+                  <a:srgbClr val="000000"/>
+                </a:solidFill>
+                <a:latin typeface="Consolas" panose="020B0609020204030204" pitchFamily="49" charset="0"/>
+              </a:rPr>
+              <a:t>(</a:t>
+            </a:r>
+            <a:r>
+              <a:rPr lang="en-US" altLang="ja-JP" sz="1000" dirty="0" err="1">
+                <a:solidFill>
+                  <a:srgbClr val="000000"/>
+                </a:solidFill>
+                <a:latin typeface="Consolas" panose="020B0609020204030204" pitchFamily="49" charset="0"/>
+              </a:rPr>
+              <a:t>obj</a:t>
+            </a:r>
+            <a:r>
+              <a:rPr lang="en-US" altLang="ja-JP" sz="1000" dirty="0">
+                <a:solidFill>
+                  <a:srgbClr val="000000"/>
+                </a:solidFill>
+                <a:latin typeface="Consolas" panose="020B0609020204030204" pitchFamily="49" charset="0"/>
+              </a:rPr>
+              <a:t> </a:t>
+            </a:r>
+            <a:r>
+              <a:rPr lang="en-US" altLang="ja-JP" sz="1000" dirty="0">
+                <a:solidFill>
+                  <a:srgbClr val="0000FF"/>
+                </a:solidFill>
+                <a:latin typeface="Consolas" panose="020B0609020204030204" pitchFamily="49" charset="0"/>
+              </a:rPr>
+              <a:t>as</a:t>
+            </a:r>
+            <a:r>
+              <a:rPr lang="en-US" altLang="ja-JP" sz="1000" dirty="0">
+                <a:solidFill>
+                  <a:srgbClr val="000000"/>
+                </a:solidFill>
+                <a:latin typeface="Consolas" panose="020B0609020204030204" pitchFamily="49" charset="0"/>
+              </a:rPr>
+              <a:t> </a:t>
+            </a:r>
+            <a:r>
+              <a:rPr lang="en-US" altLang="ja-JP" sz="1000" dirty="0" err="1">
+                <a:solidFill>
+                  <a:srgbClr val="2B91AF"/>
+                </a:solidFill>
+                <a:latin typeface="Consolas" panose="020B0609020204030204" pitchFamily="49" charset="0"/>
+              </a:rPr>
+              <a:t>IDisposable</a:t>
+            </a:r>
+            <a:r>
+              <a:rPr lang="en-US" altLang="ja-JP" sz="1000" dirty="0">
+                <a:solidFill>
+                  <a:srgbClr val="000000"/>
+                </a:solidFill>
+                <a:latin typeface="Consolas" panose="020B0609020204030204" pitchFamily="49" charset="0"/>
+              </a:rPr>
+              <a:t>)?.Dispose();</a:t>
+            </a:r>
+          </a:p>
+        </p:txBody>
+      </p:sp>
+      <p:sp>
+        <p:nvSpPr>
+          <p:cNvPr id="13" name="テキスト ボックス 12"/>
+          <p:cNvSpPr txBox="1"/>
+          <p:nvPr/>
+        </p:nvSpPr>
+        <p:spPr>
+          <a:xfrm>
+            <a:off x="4859842" y="3002991"/>
+            <a:ext cx="1977071" cy="380480"/>
+          </a:xfrm>
+          <a:prstGeom prst="rect">
+            <a:avLst/>
+          </a:prstGeom>
+          <a:noFill/>
+        </p:spPr>
+        <p:txBody>
+          <a:bodyPr wrap="none" lIns="36000" tIns="36000" rIns="36000" bIns="36000" rtlCol="0">
+            <a:spAutoFit/>
+          </a:bodyPr>
+          <a:lstStyle/>
+          <a:p>
+            <a:r>
+              <a:rPr lang="en-US" altLang="ja-JP" sz="1000" dirty="0">
+                <a:solidFill>
+                  <a:srgbClr val="0000FF"/>
+                </a:solidFill>
+                <a:latin typeface="Consolas" panose="020B0609020204030204" pitchFamily="49" charset="0"/>
+              </a:rPr>
+              <a:t>var</a:t>
+            </a:r>
+            <a:r>
+              <a:rPr lang="en-US" altLang="ja-JP" sz="1000" dirty="0">
+                <a:solidFill>
+                  <a:srgbClr val="000000"/>
+                </a:solidFill>
+                <a:latin typeface="Consolas" panose="020B0609020204030204" pitchFamily="49" charset="0"/>
+              </a:rPr>
+              <a:t> d = </a:t>
+            </a:r>
+            <a:r>
+              <a:rPr lang="en-US" altLang="ja-JP" sz="1000" dirty="0" err="1">
+                <a:solidFill>
+                  <a:srgbClr val="000000"/>
+                </a:solidFill>
+                <a:latin typeface="Consolas" panose="020B0609020204030204" pitchFamily="49" charset="0"/>
+              </a:rPr>
+              <a:t>obj</a:t>
+            </a:r>
+            <a:r>
+              <a:rPr lang="en-US" altLang="ja-JP" sz="1000" dirty="0">
+                <a:solidFill>
+                  <a:srgbClr val="000000"/>
+                </a:solidFill>
+                <a:latin typeface="Consolas" panose="020B0609020204030204" pitchFamily="49" charset="0"/>
+              </a:rPr>
+              <a:t> </a:t>
+            </a:r>
+            <a:r>
+              <a:rPr lang="en-US" altLang="ja-JP" sz="1000" dirty="0">
+                <a:solidFill>
+                  <a:srgbClr val="0000FF"/>
+                </a:solidFill>
+                <a:latin typeface="Consolas" panose="020B0609020204030204" pitchFamily="49" charset="0"/>
+              </a:rPr>
+              <a:t>as</a:t>
+            </a:r>
+            <a:r>
+              <a:rPr lang="en-US" altLang="ja-JP" sz="1000" dirty="0">
+                <a:solidFill>
+                  <a:srgbClr val="000000"/>
+                </a:solidFill>
+                <a:latin typeface="Consolas" panose="020B0609020204030204" pitchFamily="49" charset="0"/>
+              </a:rPr>
+              <a:t> </a:t>
+            </a:r>
+            <a:r>
+              <a:rPr lang="en-US" altLang="ja-JP" sz="1000" dirty="0" err="1">
+                <a:solidFill>
+                  <a:srgbClr val="2B91AF"/>
+                </a:solidFill>
+                <a:latin typeface="Consolas" panose="020B0609020204030204" pitchFamily="49" charset="0"/>
+              </a:rPr>
+              <a:t>IDisposable</a:t>
+            </a:r>
+            <a:r>
+              <a:rPr lang="en-US" altLang="ja-JP" sz="1000" dirty="0">
+                <a:solidFill>
+                  <a:srgbClr val="000000"/>
+                </a:solidFill>
+                <a:latin typeface="Consolas" panose="020B0609020204030204" pitchFamily="49" charset="0"/>
+              </a:rPr>
+              <a:t>;</a:t>
+            </a:r>
+          </a:p>
+          <a:p>
+            <a:r>
+              <a:rPr lang="en-US" altLang="ja-JP" sz="1000" dirty="0">
+                <a:solidFill>
+                  <a:srgbClr val="0000FF"/>
+                </a:solidFill>
+                <a:latin typeface="Consolas" panose="020B0609020204030204" pitchFamily="49" charset="0"/>
+              </a:rPr>
+              <a:t>if</a:t>
+            </a:r>
+            <a:r>
+              <a:rPr lang="en-US" altLang="ja-JP" sz="1000" dirty="0">
+                <a:solidFill>
+                  <a:srgbClr val="000000"/>
+                </a:solidFill>
+                <a:latin typeface="Consolas" panose="020B0609020204030204" pitchFamily="49" charset="0"/>
+              </a:rPr>
+              <a:t> (d != </a:t>
+            </a:r>
+            <a:r>
+              <a:rPr lang="en-US" altLang="ja-JP" sz="1000" dirty="0">
+                <a:solidFill>
+                  <a:srgbClr val="0000FF"/>
+                </a:solidFill>
+                <a:latin typeface="Consolas" panose="020B0609020204030204" pitchFamily="49" charset="0"/>
+              </a:rPr>
+              <a:t>null</a:t>
+            </a:r>
+            <a:r>
+              <a:rPr lang="en-US" altLang="ja-JP" sz="1000" dirty="0">
+                <a:solidFill>
+                  <a:srgbClr val="000000"/>
+                </a:solidFill>
+                <a:latin typeface="Consolas" panose="020B0609020204030204" pitchFamily="49" charset="0"/>
+              </a:rPr>
+              <a:t>) </a:t>
+            </a:r>
+            <a:r>
+              <a:rPr lang="en-US" altLang="ja-JP" sz="1000" dirty="0" err="1">
+                <a:solidFill>
+                  <a:srgbClr val="000000"/>
+                </a:solidFill>
+                <a:latin typeface="Consolas" panose="020B0609020204030204" pitchFamily="49" charset="0"/>
+              </a:rPr>
+              <a:t>d.Dispose</a:t>
+            </a:r>
+            <a:r>
+              <a:rPr lang="en-US" altLang="ja-JP" sz="1000" dirty="0">
+                <a:solidFill>
+                  <a:srgbClr val="000000"/>
+                </a:solidFill>
+                <a:latin typeface="Consolas" panose="020B0609020204030204" pitchFamily="49" charset="0"/>
+              </a:rPr>
+              <a:t>();</a:t>
+            </a:r>
+          </a:p>
+        </p:txBody>
+      </p:sp>
+      <p:sp>
+        <p:nvSpPr>
+          <p:cNvPr id="14" name="矢印: 下 13"/>
+          <p:cNvSpPr/>
+          <p:nvPr/>
+        </p:nvSpPr>
+        <p:spPr>
+          <a:xfrm>
+            <a:off x="5061178" y="2667790"/>
+            <a:ext cx="184558" cy="315897"/>
+          </a:xfrm>
+          <a:prstGeom prst="downArrow">
+            <a:avLst/>
+          </a:prstGeom>
+        </p:spPr>
+        <p:style>
+          <a:lnRef idx="1">
+            <a:schemeClr val="accent4"/>
+          </a:lnRef>
+          <a:fillRef idx="2">
+            <a:schemeClr val="accent4"/>
+          </a:fillRef>
+          <a:effectRef idx="1">
+            <a:schemeClr val="accent4"/>
+          </a:effectRef>
+          <a:fontRef idx="minor">
+            <a:schemeClr val="dk1"/>
+          </a:fontRef>
+        </p:style>
+        <p:txBody>
+          <a:bodyPr rot="0" spcFirstLastPara="0" vertOverflow="overflow" horzOverflow="overflow" vert="horz" wrap="square" lIns="36000" tIns="36000" rIns="36000" bIns="36000" numCol="1" spcCol="0" rtlCol="0" fromWordArt="0" anchor="ctr" anchorCtr="0" forceAA="0" compatLnSpc="1">
+            <a:prstTxWarp prst="textNoShape">
+              <a:avLst/>
+            </a:prstTxWarp>
+            <a:noAutofit/>
+          </a:bodyPr>
+          <a:lstStyle/>
+          <a:p>
+            <a:pPr algn="ctr"/>
+            <a:endParaRPr kumimoji="1" lang="ja-JP" altLang="en-US" sz="1000" dirty="0"/>
+          </a:p>
+        </p:txBody>
+      </p:sp>
+      <p:sp>
+        <p:nvSpPr>
+          <p:cNvPr id="15" name="吹き出し: 四角形 14"/>
+          <p:cNvSpPr/>
+          <p:nvPr/>
+        </p:nvSpPr>
+        <p:spPr>
+          <a:xfrm>
+            <a:off x="3258853" y="950663"/>
+            <a:ext cx="3201978" cy="570451"/>
+          </a:xfrm>
+          <a:prstGeom prst="wedgeRectCallout">
+            <a:avLst>
+              <a:gd name="adj1" fmla="val -14021"/>
+              <a:gd name="adj2" fmla="val 127206"/>
+            </a:avLst>
+          </a:prstGeom>
+        </p:spPr>
+        <p:style>
+          <a:lnRef idx="2">
+            <a:schemeClr val="accent3"/>
+          </a:lnRef>
+          <a:fillRef idx="1">
+            <a:schemeClr val="lt1"/>
+          </a:fillRef>
+          <a:effectRef idx="0">
+            <a:schemeClr val="accent3"/>
+          </a:effectRef>
+          <a:fontRef idx="minor">
+            <a:schemeClr val="dk1"/>
+          </a:fontRef>
+        </p:style>
+        <p:txBody>
+          <a:bodyPr lIns="36000" tIns="36000" rIns="36000" bIns="36000" rtlCol="0" anchor="ctr"/>
+          <a:lstStyle/>
+          <a:p>
+            <a:pPr algn="ctr"/>
+            <a:r>
+              <a:rPr kumimoji="1" lang="ja-JP" altLang="en-US" sz="1000" dirty="0"/>
+              <a:t>直接的にこれを取り扱えるように</a:t>
+            </a:r>
+            <a:r>
+              <a:rPr kumimoji="1" lang="en-US" altLang="ja-JP" sz="1000" dirty="0"/>
+              <a:t>Expression</a:t>
+            </a:r>
+            <a:r>
+              <a:rPr kumimoji="1" lang="ja-JP" altLang="en-US" sz="1000" dirty="0"/>
+              <a:t>を増やす？</a:t>
+            </a:r>
+            <a:endParaRPr kumimoji="1" lang="en-US" altLang="ja-JP" sz="1000" dirty="0"/>
+          </a:p>
+          <a:p>
+            <a:pPr algn="ctr"/>
+            <a:r>
+              <a:rPr lang="ja-JP" altLang="en-US" sz="1000" dirty="0"/>
+              <a:t>既存の、クエリ式とかはそれやってないのに？</a:t>
+            </a:r>
+            <a:endParaRPr lang="en-US" altLang="ja-JP" sz="1000" dirty="0"/>
+          </a:p>
+          <a:p>
+            <a:pPr algn="ctr"/>
+            <a:r>
+              <a:rPr kumimoji="1" lang="en-US" altLang="ja-JP" sz="1000" dirty="0"/>
+              <a:t>C#</a:t>
+            </a:r>
+            <a:r>
+              <a:rPr kumimoji="1" lang="ja-JP" altLang="en-US" sz="1000" dirty="0"/>
+              <a:t>の文法増えるたびに増やす？</a:t>
+            </a:r>
+          </a:p>
+        </p:txBody>
+      </p:sp>
+      <p:sp>
+        <p:nvSpPr>
+          <p:cNvPr id="16" name="吹き出し: 四角形 15"/>
+          <p:cNvSpPr/>
+          <p:nvPr/>
+        </p:nvSpPr>
+        <p:spPr>
+          <a:xfrm>
+            <a:off x="3258853" y="4149667"/>
+            <a:ext cx="3201978" cy="570451"/>
+          </a:xfrm>
+          <a:prstGeom prst="wedgeRectCallout">
+            <a:avLst>
+              <a:gd name="adj1" fmla="val -12973"/>
+              <a:gd name="adj2" fmla="val -113971"/>
+            </a:avLst>
+          </a:prstGeom>
+        </p:spPr>
+        <p:style>
+          <a:lnRef idx="2">
+            <a:schemeClr val="accent3"/>
+          </a:lnRef>
+          <a:fillRef idx="1">
+            <a:schemeClr val="lt1"/>
+          </a:fillRef>
+          <a:effectRef idx="0">
+            <a:schemeClr val="accent3"/>
+          </a:effectRef>
+          <a:fontRef idx="minor">
+            <a:schemeClr val="dk1"/>
+          </a:fontRef>
+        </p:style>
+        <p:txBody>
+          <a:bodyPr lIns="36000" tIns="36000" rIns="36000" bIns="36000" rtlCol="0" anchor="ctr"/>
+          <a:lstStyle/>
+          <a:p>
+            <a:pPr algn="ctr"/>
+            <a:r>
+              <a:rPr kumimoji="1" lang="ja-JP" altLang="en-US" sz="1000" dirty="0"/>
+              <a:t>こっちなら既存の</a:t>
+            </a:r>
+            <a:r>
+              <a:rPr kumimoji="1" lang="en-US" altLang="ja-JP" sz="1000" dirty="0"/>
+              <a:t>Expression</a:t>
+            </a:r>
+            <a:r>
+              <a:rPr kumimoji="1" lang="ja-JP" altLang="en-US" sz="1000" dirty="0"/>
+              <a:t>で結構いける</a:t>
+            </a:r>
+            <a:endParaRPr kumimoji="1" lang="en-US" altLang="ja-JP" sz="1000" dirty="0"/>
+          </a:p>
+          <a:p>
+            <a:pPr algn="ctr"/>
+            <a:r>
+              <a:rPr lang="ja-JP" altLang="en-US" sz="1000" dirty="0"/>
+              <a:t>でも、式に収まらない</a:t>
+            </a:r>
+            <a:r>
+              <a:rPr lang="en-US" altLang="ja-JP" sz="1000" dirty="0"/>
+              <a:t>(</a:t>
+            </a:r>
+            <a:r>
+              <a:rPr lang="ja-JP" altLang="en-US" sz="1000" dirty="0"/>
+              <a:t>変数宣言が必要だったり</a:t>
+            </a:r>
+            <a:r>
+              <a:rPr lang="en-US" altLang="ja-JP" sz="1000" dirty="0"/>
+              <a:t>)</a:t>
+            </a:r>
+          </a:p>
+          <a:p>
+            <a:pPr algn="ctr"/>
+            <a:r>
+              <a:rPr kumimoji="1" lang="ja-JP" altLang="en-US" sz="1000" dirty="0"/>
+              <a:t>元の形とずいぶん離れる</a:t>
+            </a:r>
+          </a:p>
+        </p:txBody>
+      </p:sp>
+    </p:spTree>
+    <p:extLst>
+      <p:ext uri="{BB962C8B-B14F-4D97-AF65-F5344CB8AC3E}">
+        <p14:creationId xmlns:p14="http://schemas.microsoft.com/office/powerpoint/2010/main" val="2882388193"/>
       </p:ext>
     </p:extLst>
   </p:cSld>
